--- a/Documentos/presentacion_proyecto.pptx
+++ b/Documentos/presentacion_proyecto.pptx
@@ -4060,7 +4060,7 @@
         <p:spPr/>
         <p:txBody>
           <a:bodyPr>
-            <a:normAutofit/>
+            <a:normAutofit fontScale="77500" lnSpcReduction="20000"/>
           </a:bodyPr>
           <a:lstStyle/>
           <a:p>
@@ -4076,6 +4076,10 @@
               <a:rPr lang="es-GT" dirty="0" err="1"/>
               <a:t>OpenAI</a:t>
             </a:r>
+            <a:r>
+              <a:rPr lang="es-GT" dirty="0"/>
+              <a:t> (se solucionó pagando porque descubrí no dan nada de prueba)</a:t>
+            </a:r>
             <a:endParaRPr dirty="0"/>
           </a:p>
           <a:p>
@@ -4139,6 +4143,23 @@
               <a:rPr dirty="0"/>
               <a:t>)</a:t>
             </a:r>
+            <a:r>
+              <a:rPr lang="es-GT" dirty="0"/>
+              <a:t> (</a:t>
+            </a:r>
+            <a:r>
+              <a:rPr lang="es-ES" dirty="0"/>
+              <a:t>Implementar función </a:t>
+            </a:r>
+            <a:r>
+              <a:rPr lang="es-ES" dirty="0" err="1"/>
+              <a:t>slug_tool_name</a:t>
+            </a:r>
+            <a:r>
+              <a:rPr lang="es-ES" dirty="0"/>
+              <a:t> para normalizarlos.)</a:t>
+            </a:r>
+            <a:endParaRPr dirty="0"/>
           </a:p>
           <a:p>
             <a:r>
@@ -4161,6 +4182,31 @@
               <a:rPr dirty="0"/>
               <a:t> HTTP (Invalid session)</a:t>
             </a:r>
+            <a:r>
+              <a:rPr lang="es-GT" dirty="0"/>
+              <a:t> (</a:t>
+            </a:r>
+            <a:r>
+              <a:rPr lang="es-ES" dirty="0"/>
+              <a:t>Implementar </a:t>
+            </a:r>
+            <a:r>
+              <a:rPr lang="es-ES" dirty="0" err="1"/>
+              <a:t>ensure_streamable_session</a:t>
+            </a:r>
+            <a:r>
+              <a:rPr lang="es-ES" dirty="0"/>
+              <a:t> para inicializar y guardar el </a:t>
+            </a:r>
+            <a:r>
+              <a:rPr lang="es-ES" dirty="0" err="1"/>
+              <a:t>session_id</a:t>
+            </a:r>
+            <a:r>
+              <a:rPr lang="es-ES" dirty="0"/>
+              <a:t>.)</a:t>
+            </a:r>
+            <a:endParaRPr dirty="0"/>
           </a:p>
           <a:p>
             <a:r>
@@ -4207,6 +4253,31 @@
               <a:rPr dirty="0"/>
               <a:t>)</a:t>
             </a:r>
+            <a:r>
+              <a:rPr lang="es-GT" dirty="0"/>
+              <a:t> (</a:t>
+            </a:r>
+            <a:r>
+              <a:rPr lang="es-ES" dirty="0"/>
+              <a:t>Crear un sistema de </a:t>
+            </a:r>
+            <a:r>
+              <a:rPr lang="es-ES" i="1" dirty="0" err="1"/>
+              <a:t>intents</a:t>
+            </a:r>
+            <a:r>
+              <a:rPr lang="es-ES" dirty="0"/>
+              <a:t> con palabras clave y forzar </a:t>
+            </a:r>
+            <a:r>
+              <a:rPr lang="es-ES" dirty="0" err="1"/>
+              <a:t>namespace</a:t>
+            </a:r>
+            <a:r>
+              <a:rPr lang="es-ES" dirty="0"/>
+              <a:t>.)</a:t>
+            </a:r>
+            <a:endParaRPr dirty="0"/>
           </a:p>
           <a:p>
             <a:r>
@@ -4253,6 +4324,23 @@
               <a:rPr dirty="0"/>
               <a:t> y STDIO)</a:t>
             </a:r>
+            <a:r>
+              <a:rPr lang="es-GT" dirty="0"/>
+              <a:t> (</a:t>
+            </a:r>
+            <a:r>
+              <a:rPr lang="es-ES" dirty="0"/>
+              <a:t>Implementar </a:t>
+            </a:r>
+            <a:r>
+              <a:rPr lang="es-ES" dirty="0" err="1"/>
+              <a:t>LocalMCP</a:t>
+            </a:r>
+            <a:r>
+              <a:rPr lang="es-ES"/>
+              <a:t> para procesos STDIO y mantener lógica unificada.)</a:t>
+            </a:r>
+            <a:endParaRPr dirty="0"/>
           </a:p>
         </p:txBody>
       </p:sp>

--- a/Documentos/presentacion_proyecto.pptx
+++ b/Documentos/presentacion_proyecto.pptx
@@ -4337,7 +4337,7 @@
               <a:t>LocalMCP</a:t>
             </a:r>
             <a:r>
-              <a:rPr lang="es-ES"/>
+              <a:rPr lang="es-ES" dirty="0"/>
               <a:t> para procesos STDIO y mantener lógica unificada.)</a:t>
             </a:r>
             <a:endParaRPr dirty="0"/>
